--- a/docs/presentations/rcos_pres1_022412.pptx
+++ b/docs/presentations/rcos_pres1_022412.pptx
@@ -4,6 +4,9 @@
   <p:sldMasterIdLst>
     <p:sldMasterId id="2147483804" r:id="rId1"/>
   </p:sldMasterIdLst>
+  <p:notesMasterIdLst>
+    <p:notesMasterId r:id="rId9"/>
+  </p:notesMasterIdLst>
   <p:sldIdLst>
     <p:sldId id="256" r:id="rId2"/>
     <p:sldId id="257" r:id="rId3"/>
@@ -113,6 +116,446 @@
 </p:presentation>
 </file>
 
+<file path=ppt/notesMasters/notesMaster1.xml><?xml version="1.0" encoding="utf-8"?>
+<p:notesMaster xmlns:a="http://schemas.openxmlformats.org/drawingml/2006/main" xmlns:r="http://schemas.openxmlformats.org/officeDocument/2006/relationships" xmlns:p="http://schemas.openxmlformats.org/presentationml/2006/main">
+  <p:cSld>
+    <p:bg>
+      <p:bgRef idx="1001">
+        <a:schemeClr val="bg1"/>
+      </p:bgRef>
+    </p:bg>
+    <p:spTree>
+      <p:nvGrpSpPr>
+        <p:cNvPr id="1" name=""/>
+        <p:cNvGrpSpPr/>
+        <p:nvPr/>
+      </p:nvGrpSpPr>
+      <p:grpSpPr>
+        <a:xfrm>
+          <a:off x="0" y="0"/>
+          <a:ext cx="0" cy="0"/>
+          <a:chOff x="0" y="0"/>
+          <a:chExt cx="0" cy="0"/>
+        </a:xfrm>
+      </p:grpSpPr>
+      <p:sp>
+        <p:nvSpPr>
+          <p:cNvPr id="2" name="Header Placeholder 1"/>
+          <p:cNvSpPr>
+            <a:spLocks noGrp="1"/>
+          </p:cNvSpPr>
+          <p:nvPr>
+            <p:ph type="hdr" sz="quarter"/>
+          </p:nvPr>
+        </p:nvSpPr>
+        <p:spPr>
+          <a:xfrm>
+            <a:off x="0" y="0"/>
+            <a:ext cx="2971800" cy="457200"/>
+          </a:xfrm>
+          <a:prstGeom prst="rect">
+            <a:avLst/>
+          </a:prstGeom>
+        </p:spPr>
+        <p:txBody>
+          <a:bodyPr vert="horz" lIns="91440" tIns="45720" rIns="91440" bIns="45720" rtlCol="0"/>
+          <a:lstStyle>
+            <a:lvl1pPr algn="l">
+              <a:defRPr sz="1200"/>
+            </a:lvl1pPr>
+          </a:lstStyle>
+          <a:p>
+            <a:endParaRPr lang="en-US"/>
+          </a:p>
+        </p:txBody>
+      </p:sp>
+      <p:sp>
+        <p:nvSpPr>
+          <p:cNvPr id="3" name="Date Placeholder 2"/>
+          <p:cNvSpPr>
+            <a:spLocks noGrp="1"/>
+          </p:cNvSpPr>
+          <p:nvPr>
+            <p:ph type="dt" idx="1"/>
+          </p:nvPr>
+        </p:nvSpPr>
+        <p:spPr>
+          <a:xfrm>
+            <a:off x="3884613" y="0"/>
+            <a:ext cx="2971800" cy="457200"/>
+          </a:xfrm>
+          <a:prstGeom prst="rect">
+            <a:avLst/>
+          </a:prstGeom>
+        </p:spPr>
+        <p:txBody>
+          <a:bodyPr vert="horz" lIns="91440" tIns="45720" rIns="91440" bIns="45720" rtlCol="0"/>
+          <a:lstStyle>
+            <a:lvl1pPr algn="r">
+              <a:defRPr sz="1200"/>
+            </a:lvl1pPr>
+          </a:lstStyle>
+          <a:p>
+            <a:fld id="{146B8758-D9C9-46E5-BD76-309189CA130A}" type="datetimeFigureOut">
+              <a:rPr lang="en-US" smtClean="0"/>
+              <a:t>2/24/2012</a:t>
+            </a:fld>
+            <a:endParaRPr lang="en-US"/>
+          </a:p>
+        </p:txBody>
+      </p:sp>
+      <p:sp>
+        <p:nvSpPr>
+          <p:cNvPr id="4" name="Slide Image Placeholder 3"/>
+          <p:cNvSpPr>
+            <a:spLocks noGrp="1" noRot="1" noChangeAspect="1"/>
+          </p:cNvSpPr>
+          <p:nvPr>
+            <p:ph type="sldImg" idx="2"/>
+          </p:nvPr>
+        </p:nvSpPr>
+        <p:spPr>
+          <a:xfrm>
+            <a:off x="1143000" y="685800"/>
+            <a:ext cx="4572000" cy="3429000"/>
+          </a:xfrm>
+          <a:prstGeom prst="rect">
+            <a:avLst/>
+          </a:prstGeom>
+          <a:noFill/>
+          <a:ln w="12700">
+            <a:solidFill>
+              <a:prstClr val="black"/>
+            </a:solidFill>
+          </a:ln>
+        </p:spPr>
+        <p:txBody>
+          <a:bodyPr vert="horz" lIns="91440" tIns="45720" rIns="91440" bIns="45720" rtlCol="0" anchor="ctr"/>
+          <a:lstStyle/>
+          <a:p>
+            <a:endParaRPr lang="en-US"/>
+          </a:p>
+        </p:txBody>
+      </p:sp>
+      <p:sp>
+        <p:nvSpPr>
+          <p:cNvPr id="5" name="Notes Placeholder 4"/>
+          <p:cNvSpPr>
+            <a:spLocks noGrp="1"/>
+          </p:cNvSpPr>
+          <p:nvPr>
+            <p:ph type="body" sz="quarter" idx="3"/>
+          </p:nvPr>
+        </p:nvSpPr>
+        <p:spPr>
+          <a:xfrm>
+            <a:off x="685800" y="4343400"/>
+            <a:ext cx="5486400" cy="4114800"/>
+          </a:xfrm>
+          <a:prstGeom prst="rect">
+            <a:avLst/>
+          </a:prstGeom>
+        </p:spPr>
+        <p:txBody>
+          <a:bodyPr vert="horz" lIns="91440" tIns="45720" rIns="91440" bIns="45720" rtlCol="0">
+            <a:normAutofit/>
+          </a:bodyPr>
+          <a:lstStyle/>
+          <a:p>
+            <a:pPr lvl="0"/>
+            <a:r>
+              <a:rPr lang="en-US" smtClean="0"/>
+              <a:t>Click to edit Master text styles</a:t>
+            </a:r>
+          </a:p>
+          <a:p>
+            <a:pPr lvl="1"/>
+            <a:r>
+              <a:rPr lang="en-US" smtClean="0"/>
+              <a:t>Second level</a:t>
+            </a:r>
+          </a:p>
+          <a:p>
+            <a:pPr lvl="2"/>
+            <a:r>
+              <a:rPr lang="en-US" smtClean="0"/>
+              <a:t>Third level</a:t>
+            </a:r>
+          </a:p>
+          <a:p>
+            <a:pPr lvl="3"/>
+            <a:r>
+              <a:rPr lang="en-US" smtClean="0"/>
+              <a:t>Fourth level</a:t>
+            </a:r>
+          </a:p>
+          <a:p>
+            <a:pPr lvl="4"/>
+            <a:r>
+              <a:rPr lang="en-US" smtClean="0"/>
+              <a:t>Fifth level</a:t>
+            </a:r>
+            <a:endParaRPr lang="en-US"/>
+          </a:p>
+        </p:txBody>
+      </p:sp>
+      <p:sp>
+        <p:nvSpPr>
+          <p:cNvPr id="6" name="Footer Placeholder 5"/>
+          <p:cNvSpPr>
+            <a:spLocks noGrp="1"/>
+          </p:cNvSpPr>
+          <p:nvPr>
+            <p:ph type="ftr" sz="quarter" idx="4"/>
+          </p:nvPr>
+        </p:nvSpPr>
+        <p:spPr>
+          <a:xfrm>
+            <a:off x="0" y="8685213"/>
+            <a:ext cx="2971800" cy="457200"/>
+          </a:xfrm>
+          <a:prstGeom prst="rect">
+            <a:avLst/>
+          </a:prstGeom>
+        </p:spPr>
+        <p:txBody>
+          <a:bodyPr vert="horz" lIns="91440" tIns="45720" rIns="91440" bIns="45720" rtlCol="0" anchor="b"/>
+          <a:lstStyle>
+            <a:lvl1pPr algn="l">
+              <a:defRPr sz="1200"/>
+            </a:lvl1pPr>
+          </a:lstStyle>
+          <a:p>
+            <a:endParaRPr lang="en-US"/>
+          </a:p>
+        </p:txBody>
+      </p:sp>
+      <p:sp>
+        <p:nvSpPr>
+          <p:cNvPr id="7" name="Slide Number Placeholder 6"/>
+          <p:cNvSpPr>
+            <a:spLocks noGrp="1"/>
+          </p:cNvSpPr>
+          <p:nvPr>
+            <p:ph type="sldNum" sz="quarter" idx="5"/>
+          </p:nvPr>
+        </p:nvSpPr>
+        <p:spPr>
+          <a:xfrm>
+            <a:off x="3884613" y="8685213"/>
+            <a:ext cx="2971800" cy="457200"/>
+          </a:xfrm>
+          <a:prstGeom prst="rect">
+            <a:avLst/>
+          </a:prstGeom>
+        </p:spPr>
+        <p:txBody>
+          <a:bodyPr vert="horz" lIns="91440" tIns="45720" rIns="91440" bIns="45720" rtlCol="0" anchor="b"/>
+          <a:lstStyle>
+            <a:lvl1pPr algn="r">
+              <a:defRPr sz="1200"/>
+            </a:lvl1pPr>
+          </a:lstStyle>
+          <a:p>
+            <a:fld id="{F846FDA7-60B4-45E4-B6D7-8E36F217F32A}" type="slidenum">
+              <a:rPr lang="en-US" smtClean="0"/>
+              <a:t>‹#›</a:t>
+            </a:fld>
+            <a:endParaRPr lang="en-US"/>
+          </a:p>
+        </p:txBody>
+      </p:sp>
+    </p:spTree>
+  </p:cSld>
+  <p:clrMap bg1="lt1" tx1="dk1" bg2="lt2" tx2="dk2" accent1="accent1" accent2="accent2" accent3="accent3" accent4="accent4" accent5="accent5" accent6="accent6" hlink="hlink" folHlink="folHlink"/>
+  <p:notesStyle>
+    <a:lvl1pPr marL="0" algn="l" defTabSz="914400" rtl="0" eaLnBrk="1" latinLnBrk="0" hangingPunct="1">
+      <a:defRPr sz="1200" kern="1200">
+        <a:solidFill>
+          <a:schemeClr val="tx1"/>
+        </a:solidFill>
+        <a:latin typeface="+mn-lt"/>
+        <a:ea typeface="+mn-ea"/>
+        <a:cs typeface="+mn-cs"/>
+      </a:defRPr>
+    </a:lvl1pPr>
+    <a:lvl2pPr marL="457200" algn="l" defTabSz="914400" rtl="0" eaLnBrk="1" latinLnBrk="0" hangingPunct="1">
+      <a:defRPr sz="1200" kern="1200">
+        <a:solidFill>
+          <a:schemeClr val="tx1"/>
+        </a:solidFill>
+        <a:latin typeface="+mn-lt"/>
+        <a:ea typeface="+mn-ea"/>
+        <a:cs typeface="+mn-cs"/>
+      </a:defRPr>
+    </a:lvl2pPr>
+    <a:lvl3pPr marL="914400" algn="l" defTabSz="914400" rtl="0" eaLnBrk="1" latinLnBrk="0" hangingPunct="1">
+      <a:defRPr sz="1200" kern="1200">
+        <a:solidFill>
+          <a:schemeClr val="tx1"/>
+        </a:solidFill>
+        <a:latin typeface="+mn-lt"/>
+        <a:ea typeface="+mn-ea"/>
+        <a:cs typeface="+mn-cs"/>
+      </a:defRPr>
+    </a:lvl3pPr>
+    <a:lvl4pPr marL="1371600" algn="l" defTabSz="914400" rtl="0" eaLnBrk="1" latinLnBrk="0" hangingPunct="1">
+      <a:defRPr sz="1200" kern="1200">
+        <a:solidFill>
+          <a:schemeClr val="tx1"/>
+        </a:solidFill>
+        <a:latin typeface="+mn-lt"/>
+        <a:ea typeface="+mn-ea"/>
+        <a:cs typeface="+mn-cs"/>
+      </a:defRPr>
+    </a:lvl4pPr>
+    <a:lvl5pPr marL="1828800" algn="l" defTabSz="914400" rtl="0" eaLnBrk="1" latinLnBrk="0" hangingPunct="1">
+      <a:defRPr sz="1200" kern="1200">
+        <a:solidFill>
+          <a:schemeClr val="tx1"/>
+        </a:solidFill>
+        <a:latin typeface="+mn-lt"/>
+        <a:ea typeface="+mn-ea"/>
+        <a:cs typeface="+mn-cs"/>
+      </a:defRPr>
+    </a:lvl5pPr>
+    <a:lvl6pPr marL="2286000" algn="l" defTabSz="914400" rtl="0" eaLnBrk="1" latinLnBrk="0" hangingPunct="1">
+      <a:defRPr sz="1200" kern="1200">
+        <a:solidFill>
+          <a:schemeClr val="tx1"/>
+        </a:solidFill>
+        <a:latin typeface="+mn-lt"/>
+        <a:ea typeface="+mn-ea"/>
+        <a:cs typeface="+mn-cs"/>
+      </a:defRPr>
+    </a:lvl6pPr>
+    <a:lvl7pPr marL="2743200" algn="l" defTabSz="914400" rtl="0" eaLnBrk="1" latinLnBrk="0" hangingPunct="1">
+      <a:defRPr sz="1200" kern="1200">
+        <a:solidFill>
+          <a:schemeClr val="tx1"/>
+        </a:solidFill>
+        <a:latin typeface="+mn-lt"/>
+        <a:ea typeface="+mn-ea"/>
+        <a:cs typeface="+mn-cs"/>
+      </a:defRPr>
+    </a:lvl7pPr>
+    <a:lvl8pPr marL="3200400" algn="l" defTabSz="914400" rtl="0" eaLnBrk="1" latinLnBrk="0" hangingPunct="1">
+      <a:defRPr sz="1200" kern="1200">
+        <a:solidFill>
+          <a:schemeClr val="tx1"/>
+        </a:solidFill>
+        <a:latin typeface="+mn-lt"/>
+        <a:ea typeface="+mn-ea"/>
+        <a:cs typeface="+mn-cs"/>
+      </a:defRPr>
+    </a:lvl8pPr>
+    <a:lvl9pPr marL="3657600" algn="l" defTabSz="914400" rtl="0" eaLnBrk="1" latinLnBrk="0" hangingPunct="1">
+      <a:defRPr sz="1200" kern="1200">
+        <a:solidFill>
+          <a:schemeClr val="tx1"/>
+        </a:solidFill>
+        <a:latin typeface="+mn-lt"/>
+        <a:ea typeface="+mn-ea"/>
+        <a:cs typeface="+mn-cs"/>
+      </a:defRPr>
+    </a:lvl9pPr>
+  </p:notesStyle>
+</p:notesMaster>
+</file>
+
+<file path=ppt/notesSlides/notesSlide1.xml><?xml version="1.0" encoding="utf-8"?>
+<p:notes xmlns:a="http://schemas.openxmlformats.org/drawingml/2006/main" xmlns:r="http://schemas.openxmlformats.org/officeDocument/2006/relationships" xmlns:p="http://schemas.openxmlformats.org/presentationml/2006/main">
+  <p:cSld>
+    <p:spTree>
+      <p:nvGrpSpPr>
+        <p:cNvPr id="1" name=""/>
+        <p:cNvGrpSpPr/>
+        <p:nvPr/>
+      </p:nvGrpSpPr>
+      <p:grpSpPr>
+        <a:xfrm>
+          <a:off x="0" y="0"/>
+          <a:ext cx="0" cy="0"/>
+          <a:chOff x="0" y="0"/>
+          <a:chExt cx="0" cy="0"/>
+        </a:xfrm>
+      </p:grpSpPr>
+      <p:sp>
+        <p:nvSpPr>
+          <p:cNvPr id="2" name="Slide Image Placeholder 1"/>
+          <p:cNvSpPr>
+            <a:spLocks noGrp="1" noRot="1" noChangeAspect="1"/>
+          </p:cNvSpPr>
+          <p:nvPr>
+            <p:ph type="sldImg"/>
+          </p:nvPr>
+        </p:nvSpPr>
+        <p:spPr/>
+      </p:sp>
+      <p:sp>
+        <p:nvSpPr>
+          <p:cNvPr id="3" name="Notes Placeholder 2"/>
+          <p:cNvSpPr>
+            <a:spLocks noGrp="1"/>
+          </p:cNvSpPr>
+          <p:nvPr>
+            <p:ph type="body" idx="1"/>
+          </p:nvPr>
+        </p:nvSpPr>
+        <p:spPr/>
+        <p:txBody>
+          <a:bodyPr>
+            <a:normAutofit/>
+          </a:bodyPr>
+          <a:lstStyle/>
+          <a:p>
+            <a:r>
+              <a:rPr lang="en-US" dirty="0" smtClean="0"/>
+              <a:t>Verbose </a:t>
+            </a:r>
+            <a:r>
+              <a:rPr lang="en-US" dirty="0" err="1" smtClean="0"/>
+              <a:t>vs</a:t>
+            </a:r>
+            <a:r>
+              <a:rPr lang="en-US" dirty="0" smtClean="0"/>
+              <a:t> Concise Math representation</a:t>
+            </a:r>
+            <a:endParaRPr lang="en-US" dirty="0"/>
+          </a:p>
+        </p:txBody>
+      </p:sp>
+      <p:sp>
+        <p:nvSpPr>
+          <p:cNvPr id="4" name="Slide Number Placeholder 3"/>
+          <p:cNvSpPr>
+            <a:spLocks noGrp="1"/>
+          </p:cNvSpPr>
+          <p:nvPr>
+            <p:ph type="sldNum" sz="quarter" idx="10"/>
+          </p:nvPr>
+        </p:nvSpPr>
+        <p:spPr/>
+        <p:txBody>
+          <a:bodyPr/>
+          <a:lstStyle/>
+          <a:p>
+            <a:fld id="{F846FDA7-60B4-45E4-B6D7-8E36F217F32A}" type="slidenum">
+              <a:rPr lang="en-US" smtClean="0"/>
+              <a:t>4</a:t>
+            </a:fld>
+            <a:endParaRPr lang="en-US"/>
+          </a:p>
+        </p:txBody>
+      </p:sp>
+    </p:spTree>
+  </p:cSld>
+  <p:clrMapOvr>
+    <a:masterClrMapping/>
+  </p:clrMapOvr>
+</p:notes>
+</file>
+
 <file path=ppt/slideLayouts/slideLayout1.xml><?xml version="1.0" encoding="utf-8"?>
 <p:sldLayout xmlns:a="http://schemas.openxmlformats.org/drawingml/2006/main" xmlns:r="http://schemas.openxmlformats.org/officeDocument/2006/relationships" xmlns:p="http://schemas.openxmlformats.org/presentationml/2006/main" showMasterSp="0" type="title" preserve="1">
   <p:cSld name="Title Slide">
@@ -361,6 +804,7 @@
           <a:p>
             <a:fld id="{702399BC-E368-41B6-BE0B-2A6D80F9D5B5}" type="datetimeFigureOut">
               <a:rPr lang="en-US" smtClean="0"/>
+              <a:pPr/>
               <a:t>2/24/2012</a:t>
             </a:fld>
             <a:endParaRPr lang="en-US"/>
@@ -403,6 +847,7 @@
           <a:p>
             <a:fld id="{1F1DF1DA-B15F-44BF-AC98-441D7FA47D40}" type="slidenum">
               <a:rPr lang="en-US" smtClean="0"/>
+              <a:pPr/>
               <a:t>‹#›</a:t>
             </a:fld>
             <a:endParaRPr lang="en-US"/>
@@ -584,6 +1029,7 @@
           <a:p>
             <a:fld id="{702399BC-E368-41B6-BE0B-2A6D80F9D5B5}" type="datetimeFigureOut">
               <a:rPr lang="en-US" smtClean="0"/>
+              <a:pPr/>
               <a:t>2/24/2012</a:t>
             </a:fld>
             <a:endParaRPr lang="en-US"/>
@@ -626,6 +1072,7 @@
           <a:p>
             <a:fld id="{1F1DF1DA-B15F-44BF-AC98-441D7FA47D40}" type="slidenum">
               <a:rPr lang="en-US" smtClean="0"/>
+              <a:pPr/>
               <a:t>‹#›</a:t>
             </a:fld>
             <a:endParaRPr lang="en-US"/>
@@ -864,6 +1311,7 @@
           <a:p>
             <a:fld id="{702399BC-E368-41B6-BE0B-2A6D80F9D5B5}" type="datetimeFigureOut">
               <a:rPr lang="en-US" smtClean="0"/>
+              <a:pPr/>
               <a:t>2/24/2012</a:t>
             </a:fld>
             <a:endParaRPr lang="en-US"/>
@@ -911,6 +1359,7 @@
           <a:p>
             <a:fld id="{1F1DF1DA-B15F-44BF-AC98-441D7FA47D40}" type="slidenum">
               <a:rPr lang="en-US" smtClean="0"/>
+              <a:pPr/>
               <a:t>‹#›</a:t>
             </a:fld>
             <a:endParaRPr lang="en-US"/>
@@ -1043,6 +1492,7 @@
           <a:p>
             <a:fld id="{702399BC-E368-41B6-BE0B-2A6D80F9D5B5}" type="datetimeFigureOut">
               <a:rPr lang="en-US" smtClean="0"/>
+              <a:pPr/>
               <a:t>2/24/2012</a:t>
             </a:fld>
             <a:endParaRPr lang="en-US"/>
@@ -1085,6 +1535,7 @@
           <a:p>
             <a:fld id="{1F1DF1DA-B15F-44BF-AC98-441D7FA47D40}" type="slidenum">
               <a:rPr lang="en-US" smtClean="0"/>
+              <a:pPr/>
               <a:t>‹#›</a:t>
             </a:fld>
             <a:endParaRPr lang="en-US"/>
@@ -1401,6 +1852,7 @@
           <a:p>
             <a:fld id="{702399BC-E368-41B6-BE0B-2A6D80F9D5B5}" type="datetimeFigureOut">
               <a:rPr lang="en-US" smtClean="0"/>
+              <a:pPr/>
               <a:t>2/24/2012</a:t>
             </a:fld>
             <a:endParaRPr lang="en-US"/>
@@ -1443,6 +1895,7 @@
           <a:p>
             <a:fld id="{1F1DF1DA-B15F-44BF-AC98-441D7FA47D40}" type="slidenum">
               <a:rPr lang="en-US" smtClean="0"/>
+              <a:pPr/>
               <a:t>‹#›</a:t>
             </a:fld>
             <a:endParaRPr lang="en-US"/>
@@ -1688,6 +2141,7 @@
           <a:p>
             <a:fld id="{702399BC-E368-41B6-BE0B-2A6D80F9D5B5}" type="datetimeFigureOut">
               <a:rPr lang="en-US" smtClean="0"/>
+              <a:pPr/>
               <a:t>2/24/2012</a:t>
             </a:fld>
             <a:endParaRPr lang="en-US"/>
@@ -1730,6 +2184,7 @@
           <a:p>
             <a:fld id="{1F1DF1DA-B15F-44BF-AC98-441D7FA47D40}" type="slidenum">
               <a:rPr lang="en-US" smtClean="0"/>
+              <a:pPr/>
               <a:t>‹#›</a:t>
             </a:fld>
             <a:endParaRPr lang="en-US"/>
@@ -2110,6 +2565,7 @@
           <a:p>
             <a:fld id="{702399BC-E368-41B6-BE0B-2A6D80F9D5B5}" type="datetimeFigureOut">
               <a:rPr lang="en-US" smtClean="0"/>
+              <a:pPr/>
               <a:t>2/24/2012</a:t>
             </a:fld>
             <a:endParaRPr lang="en-US"/>
@@ -2152,6 +2608,7 @@
           <a:p>
             <a:fld id="{1F1DF1DA-B15F-44BF-AC98-441D7FA47D40}" type="slidenum">
               <a:rPr lang="en-US" smtClean="0"/>
+              <a:pPr/>
               <a:t>‹#›</a:t>
             </a:fld>
             <a:endParaRPr lang="en-US"/>
@@ -2225,6 +2682,7 @@
           <a:p>
             <a:fld id="{702399BC-E368-41B6-BE0B-2A6D80F9D5B5}" type="datetimeFigureOut">
               <a:rPr lang="en-US" smtClean="0"/>
+              <a:pPr/>
               <a:t>2/24/2012</a:t>
             </a:fld>
             <a:endParaRPr lang="en-US"/>
@@ -2267,6 +2725,7 @@
           <a:p>
             <a:fld id="{1F1DF1DA-B15F-44BF-AC98-441D7FA47D40}" type="slidenum">
               <a:rPr lang="en-US" smtClean="0"/>
+              <a:pPr/>
               <a:t>‹#›</a:t>
             </a:fld>
             <a:endParaRPr lang="en-US"/>
@@ -2315,6 +2774,7 @@
           <a:p>
             <a:fld id="{702399BC-E368-41B6-BE0B-2A6D80F9D5B5}" type="datetimeFigureOut">
               <a:rPr lang="en-US" smtClean="0"/>
+              <a:pPr/>
               <a:t>2/24/2012</a:t>
             </a:fld>
             <a:endParaRPr lang="en-US"/>
@@ -2357,6 +2817,7 @@
           <a:p>
             <a:fld id="{1F1DF1DA-B15F-44BF-AC98-441D7FA47D40}" type="slidenum">
               <a:rPr lang="en-US" smtClean="0"/>
+              <a:pPr/>
               <a:t>‹#›</a:t>
             </a:fld>
             <a:endParaRPr lang="en-US"/>
@@ -2593,6 +3054,7 @@
           <a:p>
             <a:fld id="{702399BC-E368-41B6-BE0B-2A6D80F9D5B5}" type="datetimeFigureOut">
               <a:rPr lang="en-US" smtClean="0"/>
+              <a:pPr/>
               <a:t>2/24/2012</a:t>
             </a:fld>
             <a:endParaRPr lang="en-US"/>
@@ -2635,6 +3097,7 @@
           <a:p>
             <a:fld id="{1F1DF1DA-B15F-44BF-AC98-441D7FA47D40}" type="slidenum">
               <a:rPr lang="en-US" smtClean="0"/>
+              <a:pPr/>
               <a:t>‹#›</a:t>
             </a:fld>
             <a:endParaRPr lang="en-US"/>
@@ -2959,6 +3422,7 @@
           <a:p>
             <a:fld id="{702399BC-E368-41B6-BE0B-2A6D80F9D5B5}" type="datetimeFigureOut">
               <a:rPr lang="en-US" smtClean="0"/>
+              <a:pPr/>
               <a:t>2/24/2012</a:t>
             </a:fld>
             <a:endParaRPr lang="en-US"/>
@@ -3115,6 +3579,7 @@
           <a:p>
             <a:fld id="{1F1DF1DA-B15F-44BF-AC98-441D7FA47D40}" type="slidenum">
               <a:rPr lang="en-US" smtClean="0"/>
+              <a:pPr/>
               <a:t>‹#›</a:t>
             </a:fld>
             <a:endParaRPr lang="en-US"/>
@@ -3396,6 +3861,7 @@
           <a:p>
             <a:fld id="{702399BC-E368-41B6-BE0B-2A6D80F9D5B5}" type="datetimeFigureOut">
               <a:rPr lang="en-US" smtClean="0"/>
+              <a:pPr/>
               <a:t>2/24/2012</a:t>
             </a:fld>
             <a:endParaRPr lang="en-US"/>
@@ -3476,6 +3942,7 @@
           <a:p>
             <a:fld id="{1F1DF1DA-B15F-44BF-AC98-441D7FA47D40}" type="slidenum">
               <a:rPr lang="en-US" smtClean="0"/>
+              <a:pPr/>
               <a:t>‹#›</a:t>
             </a:fld>
             <a:endParaRPr lang="en-US"/>
@@ -3893,7 +4360,7 @@
       </p:grpSpPr>
       <p:pic>
         <p:nvPicPr>
-          <p:cNvPr id="14338" name="Picture 2" descr="http://bamboostylus.wacom.eu/control/images/gallery/05.jpg"/>
+          <p:cNvPr id="6146" name="Picture 2" descr="http://avoision.com/portnoy/images/2008/october/lizMathNotes.jpg"/>
           <p:cNvPicPr>
             <a:picLocks noChangeAspect="1" noChangeArrowheads="1"/>
           </p:cNvPicPr>
@@ -3908,13 +4375,18 @@
         </p:blipFill>
         <p:spPr bwMode="auto">
           <a:xfrm>
-            <a:off x="4038600" y="1524000"/>
-            <a:ext cx="6096000" cy="3619500"/>
+            <a:off x="4267200" y="2590800"/>
+            <a:ext cx="4876800" cy="3657600"/>
           </a:xfrm>
           <a:prstGeom prst="rect">
             <a:avLst/>
           </a:prstGeom>
           <a:noFill/>
+          <a:ln>
+            <a:solidFill>
+              <a:schemeClr val="tx1"/>
+            </a:solidFill>
+          </a:ln>
         </p:spPr>
       </p:pic>
       <p:sp>
@@ -3952,16 +4424,31 @@
           <a:p>
             <a:r>
               <a:rPr lang="en-US" dirty="0" smtClean="0"/>
-              <a:t>Handwriting Recognition</a:t>
-            </a:r>
-          </a:p>
-          <a:p>
+              <a:t>Handwriting </a:t>
+            </a:r>
             <a:endParaRPr lang="en-US" dirty="0" smtClean="0"/>
           </a:p>
           <a:p>
+            <a:pPr>
+              <a:buNone/>
+            </a:pPr>
             <a:r>
               <a:rPr lang="en-US" dirty="0" smtClean="0"/>
-              <a:t>Special Math Mode</a:t>
+              <a:t>       Recognition</a:t>
+            </a:r>
+            <a:endParaRPr lang="en-US" dirty="0" smtClean="0"/>
+          </a:p>
+          <a:p>
+            <a:endParaRPr lang="en-US" dirty="0" smtClean="0"/>
+          </a:p>
+          <a:p>
+            <a:r>
+              <a:rPr lang="en-US" dirty="0" smtClean="0"/>
+              <a:t>Math </a:t>
+            </a:r>
+            <a:r>
+              <a:rPr lang="en-US" dirty="0" smtClean="0"/>
+              <a:t>Mode</a:t>
             </a:r>
           </a:p>
         </p:txBody>
@@ -4021,6 +4508,32 @@
           <a:chExt cx="0" cy="0"/>
         </a:xfrm>
       </p:grpSpPr>
+      <p:pic>
+        <p:nvPicPr>
+          <p:cNvPr id="5122" name="Picture 2" descr="http://bamboostylus.wacom.eu/control/images/gallery/05.jpg"/>
+          <p:cNvPicPr>
+            <a:picLocks noChangeAspect="1" noChangeArrowheads="1"/>
+          </p:cNvPicPr>
+          <p:nvPr/>
+        </p:nvPicPr>
+        <p:blipFill>
+          <a:blip r:embed="rId2" cstate="print"/>
+          <a:srcRect/>
+          <a:stretch>
+            <a:fillRect/>
+          </a:stretch>
+        </p:blipFill>
+        <p:spPr bwMode="auto">
+          <a:xfrm>
+            <a:off x="3810000" y="1524000"/>
+            <a:ext cx="6096000" cy="3619500"/>
+          </a:xfrm>
+          <a:prstGeom prst="rect">
+            <a:avLst/>
+          </a:prstGeom>
+          <a:noFill/>
+        </p:spPr>
+      </p:pic>
       <p:sp>
         <p:nvSpPr>
           <p:cNvPr id="3" name="Content Placeholder 2"/>
@@ -4388,7 +4901,15 @@
           <a:p>
             <a:r>
               <a:rPr lang="en-US" dirty="0" smtClean="0"/>
-              <a:t>Export to other formats</a:t>
+              <a:t>Export </a:t>
+            </a:r>
+            <a:r>
+              <a:rPr lang="en-US" dirty="0" smtClean="0"/>
+              <a:t>document to </a:t>
+            </a:r>
+            <a:r>
+              <a:rPr lang="en-US" dirty="0" smtClean="0"/>
+              <a:t>other formats</a:t>
             </a:r>
           </a:p>
           <a:p>
@@ -4400,6 +4921,16 @@
               <a:t>Undo/Redo</a:t>
             </a:r>
           </a:p>
+          <a:p>
+            <a:endParaRPr lang="en-US" dirty="0" smtClean="0"/>
+          </a:p>
+          <a:p>
+            <a:r>
+              <a:rPr lang="en-US" dirty="0" smtClean="0"/>
+              <a:t>Easy Error-Correction</a:t>
+            </a:r>
+            <a:endParaRPr lang="en-US" dirty="0" smtClean="0"/>
+          </a:p>
         </p:txBody>
       </p:sp>
       <p:sp>
@@ -4422,6 +4953,185 @@
               <a:t>Other Features</a:t>
             </a:r>
             <a:endParaRPr lang="en-US" dirty="0"/>
+          </a:p>
+        </p:txBody>
+      </p:sp>
+      <p:pic>
+        <p:nvPicPr>
+          <p:cNvPr id="3073" name="Picture 1" descr="C:\Users\Alex\Pictures\a.png"/>
+          <p:cNvPicPr>
+            <a:picLocks noChangeAspect="1" noChangeArrowheads="1"/>
+          </p:cNvPicPr>
+          <p:nvPr/>
+        </p:nvPicPr>
+        <p:blipFill>
+          <a:blip r:embed="rId2" cstate="print"/>
+          <a:srcRect/>
+          <a:stretch>
+            <a:fillRect/>
+          </a:stretch>
+        </p:blipFill>
+        <p:spPr bwMode="auto">
+          <a:xfrm>
+            <a:off x="6400800" y="5257800"/>
+            <a:ext cx="1828800" cy="1143000"/>
+          </a:xfrm>
+          <a:prstGeom prst="rect">
+            <a:avLst/>
+          </a:prstGeom>
+          <a:noFill/>
+        </p:spPr>
+      </p:pic>
+      <p:sp>
+        <p:nvSpPr>
+          <p:cNvPr id="5" name="Rounded Rectangle 4"/>
+          <p:cNvSpPr/>
+          <p:nvPr/>
+        </p:nvSpPr>
+        <p:spPr>
+          <a:xfrm>
+            <a:off x="6172200" y="4495800"/>
+            <a:ext cx="685800" cy="685800"/>
+          </a:xfrm>
+          <a:prstGeom prst="roundRect">
+            <a:avLst/>
+          </a:prstGeom>
+        </p:spPr>
+        <p:style>
+          <a:lnRef idx="2">
+            <a:schemeClr val="accent3">
+              <a:shade val="50000"/>
+            </a:schemeClr>
+          </a:lnRef>
+          <a:fillRef idx="1">
+            <a:schemeClr val="accent3"/>
+          </a:fillRef>
+          <a:effectRef idx="0">
+            <a:schemeClr val="accent3"/>
+          </a:effectRef>
+          <a:fontRef idx="minor">
+            <a:schemeClr val="lt1"/>
+          </a:fontRef>
+        </p:style>
+        <p:txBody>
+          <a:bodyPr rtlCol="0" anchor="ctr"/>
+          <a:lstStyle/>
+          <a:p>
+            <a:pPr algn="ctr"/>
+            <a:r>
+              <a:rPr lang="en-US" sz="4800" b="1" dirty="0" smtClean="0">
+                <a:latin typeface="Batang" pitchFamily="18" charset="-127"/>
+                <a:ea typeface="Batang" pitchFamily="18" charset="-127"/>
+              </a:rPr>
+              <a:t>0</a:t>
+            </a:r>
+            <a:endParaRPr lang="en-US" sz="4800" b="1" dirty="0">
+              <a:latin typeface="Batang" pitchFamily="18" charset="-127"/>
+              <a:ea typeface="Batang" pitchFamily="18" charset="-127"/>
+            </a:endParaRPr>
+          </a:p>
+        </p:txBody>
+      </p:sp>
+      <p:sp>
+        <p:nvSpPr>
+          <p:cNvPr id="6" name="Rounded Rectangle 5"/>
+          <p:cNvSpPr/>
+          <p:nvPr/>
+        </p:nvSpPr>
+        <p:spPr>
+          <a:xfrm>
+            <a:off x="7010400" y="4495800"/>
+            <a:ext cx="685800" cy="685800"/>
+          </a:xfrm>
+          <a:prstGeom prst="roundRect">
+            <a:avLst/>
+          </a:prstGeom>
+          <a:solidFill>
+            <a:schemeClr val="accent3"/>
+          </a:solidFill>
+        </p:spPr>
+        <p:style>
+          <a:lnRef idx="2">
+            <a:schemeClr val="accent4">
+              <a:shade val="50000"/>
+            </a:schemeClr>
+          </a:lnRef>
+          <a:fillRef idx="1">
+            <a:schemeClr val="accent4"/>
+          </a:fillRef>
+          <a:effectRef idx="0">
+            <a:schemeClr val="accent4"/>
+          </a:effectRef>
+          <a:fontRef idx="minor">
+            <a:schemeClr val="lt1"/>
+          </a:fontRef>
+        </p:style>
+        <p:txBody>
+          <a:bodyPr rtlCol="0" anchor="ctr"/>
+          <a:lstStyle/>
+          <a:p>
+            <a:pPr algn="ctr"/>
+            <a:r>
+              <a:rPr lang="en-US" sz="4800" b="1" dirty="0" smtClean="0">
+                <a:latin typeface="Batang" pitchFamily="18" charset="-127"/>
+                <a:ea typeface="Batang" pitchFamily="18" charset="-127"/>
+              </a:rPr>
+              <a:t>o</a:t>
+            </a:r>
+            <a:endParaRPr lang="en-US" sz="4800" b="1" dirty="0">
+              <a:latin typeface="Batang" pitchFamily="18" charset="-127"/>
+              <a:ea typeface="Batang" pitchFamily="18" charset="-127"/>
+            </a:endParaRPr>
+          </a:p>
+        </p:txBody>
+      </p:sp>
+      <p:sp>
+        <p:nvSpPr>
+          <p:cNvPr id="7" name="Rounded Rectangle 6"/>
+          <p:cNvSpPr/>
+          <p:nvPr/>
+        </p:nvSpPr>
+        <p:spPr>
+          <a:xfrm>
+            <a:off x="7848600" y="4495800"/>
+            <a:ext cx="685800" cy="685800"/>
+          </a:xfrm>
+          <a:prstGeom prst="roundRect">
+            <a:avLst/>
+          </a:prstGeom>
+        </p:spPr>
+        <p:style>
+          <a:lnRef idx="2">
+            <a:schemeClr val="accent4">
+              <a:shade val="50000"/>
+            </a:schemeClr>
+          </a:lnRef>
+          <a:fillRef idx="1">
+            <a:schemeClr val="accent4"/>
+          </a:fillRef>
+          <a:effectRef idx="0">
+            <a:schemeClr val="accent4"/>
+          </a:effectRef>
+          <a:fontRef idx="minor">
+            <a:schemeClr val="lt1"/>
+          </a:fontRef>
+        </p:style>
+        <p:txBody>
+          <a:bodyPr rtlCol="0" anchor="ctr"/>
+          <a:lstStyle/>
+          <a:p>
+            <a:pPr algn="ctr"/>
+            <a:r>
+              <a:rPr lang="en-US" sz="4800" b="1" dirty="0" smtClean="0">
+                <a:latin typeface="Batang" pitchFamily="18" charset="-127"/>
+                <a:ea typeface="Batang" pitchFamily="18" charset="-127"/>
+              </a:rPr>
+              <a:t>a</a:t>
+            </a:r>
+            <a:endParaRPr lang="en-US" sz="4800" b="1" dirty="0">
+              <a:latin typeface="Batang" pitchFamily="18" charset="-127"/>
+              <a:ea typeface="Batang" pitchFamily="18" charset="-127"/>
+            </a:endParaRPr>
           </a:p>
         </p:txBody>
       </p:sp>
@@ -4982,4 +5692,287 @@
   <a:objectDefaults/>
   <a:extraClrSchemeLst/>
 </a:theme>
+</file>
+
+<file path=ppt/theme/theme2.xml><?xml version="1.0" encoding="utf-8"?>
+<a:theme xmlns:a="http://schemas.openxmlformats.org/drawingml/2006/main" name="Office Theme">
+  <a:themeElements>
+    <a:clrScheme name="Office">
+      <a:dk1>
+        <a:sysClr val="windowText" lastClr="000000"/>
+      </a:dk1>
+      <a:lt1>
+        <a:sysClr val="window" lastClr="FFFFFF"/>
+      </a:lt1>
+      <a:dk2>
+        <a:srgbClr val="1F497D"/>
+      </a:dk2>
+      <a:lt2>
+        <a:srgbClr val="EEECE1"/>
+      </a:lt2>
+      <a:accent1>
+        <a:srgbClr val="4F81BD"/>
+      </a:accent1>
+      <a:accent2>
+        <a:srgbClr val="C0504D"/>
+      </a:accent2>
+      <a:accent3>
+        <a:srgbClr val="9BBB59"/>
+      </a:accent3>
+      <a:accent4>
+        <a:srgbClr val="8064A2"/>
+      </a:accent4>
+      <a:accent5>
+        <a:srgbClr val="4BACC6"/>
+      </a:accent5>
+      <a:accent6>
+        <a:srgbClr val="F79646"/>
+      </a:accent6>
+      <a:hlink>
+        <a:srgbClr val="0000FF"/>
+      </a:hlink>
+      <a:folHlink>
+        <a:srgbClr val="800080"/>
+      </a:folHlink>
+    </a:clrScheme>
+    <a:fontScheme name="Office">
+      <a:majorFont>
+        <a:latin typeface="Calibri"/>
+        <a:ea typeface=""/>
+        <a:cs typeface=""/>
+        <a:font script="Jpan" typeface="ＭＳ Ｐゴシック"/>
+        <a:font script="Hang" typeface="맑은 고딕"/>
+        <a:font script="Hans" typeface="宋体"/>
+        <a:font script="Hant" typeface="新細明體"/>
+        <a:font script="Arab" typeface="Times New Roman"/>
+        <a:font script="Hebr" typeface="Times New Roman"/>
+        <a:font script="Thai" typeface="Angsana New"/>
+        <a:font script="Ethi" typeface="Nyala"/>
+        <a:font script="Beng" typeface="Vrinda"/>
+        <a:font script="Gujr" typeface="Shruti"/>
+        <a:font script="Khmr" typeface="MoolBoran"/>
+        <a:font script="Knda" typeface="Tunga"/>
+        <a:font script="Guru" typeface="Raavi"/>
+        <a:font script="Cans" typeface="Euphemia"/>
+        <a:font script="Cher" typeface="Plantagenet Cherokee"/>
+        <a:font script="Yiii" typeface="Microsoft Yi Baiti"/>
+        <a:font script="Tibt" typeface="Microsoft Himalaya"/>
+        <a:font script="Thaa" typeface="MV Boli"/>
+        <a:font script="Deva" typeface="Mangal"/>
+        <a:font script="Telu" typeface="Gautami"/>
+        <a:font script="Taml" typeface="Latha"/>
+        <a:font script="Syrc" typeface="Estrangelo Edessa"/>
+        <a:font script="Orya" typeface="Kalinga"/>
+        <a:font script="Mlym" typeface="Kartika"/>
+        <a:font script="Laoo" typeface="DokChampa"/>
+        <a:font script="Sinh" typeface="Iskoola Pota"/>
+        <a:font script="Mong" typeface="Mongolian Baiti"/>
+        <a:font script="Viet" typeface="Times New Roman"/>
+        <a:font script="Uigh" typeface="Microsoft Uighur"/>
+      </a:majorFont>
+      <a:minorFont>
+        <a:latin typeface="Calibri"/>
+        <a:ea typeface=""/>
+        <a:cs typeface=""/>
+        <a:font script="Jpan" typeface="ＭＳ Ｐゴシック"/>
+        <a:font script="Hang" typeface="맑은 고딕"/>
+        <a:font script="Hans" typeface="宋体"/>
+        <a:font script="Hant" typeface="新細明體"/>
+        <a:font script="Arab" typeface="Arial"/>
+        <a:font script="Hebr" typeface="Arial"/>
+        <a:font script="Thai" typeface="Cordia New"/>
+        <a:font script="Ethi" typeface="Nyala"/>
+        <a:font script="Beng" typeface="Vrinda"/>
+        <a:font script="Gujr" typeface="Shruti"/>
+        <a:font script="Khmr" typeface="DaunPenh"/>
+        <a:font script="Knda" typeface="Tunga"/>
+        <a:font script="Guru" typeface="Raavi"/>
+        <a:font script="Cans" typeface="Euphemia"/>
+        <a:font script="Cher" typeface="Plantagenet Cherokee"/>
+        <a:font script="Yiii" typeface="Microsoft Yi Baiti"/>
+        <a:font script="Tibt" typeface="Microsoft Himalaya"/>
+        <a:font script="Thaa" typeface="MV Boli"/>
+        <a:font script="Deva" typeface="Mangal"/>
+        <a:font script="Telu" typeface="Gautami"/>
+        <a:font script="Taml" typeface="Latha"/>
+        <a:font script="Syrc" typeface="Estrangelo Edessa"/>
+        <a:font script="Orya" typeface="Kalinga"/>
+        <a:font script="Mlym" typeface="Kartika"/>
+        <a:font script="Laoo" typeface="DokChampa"/>
+        <a:font script="Sinh" typeface="Iskoola Pota"/>
+        <a:font script="Mong" typeface="Mongolian Baiti"/>
+        <a:font script="Viet" typeface="Arial"/>
+        <a:font script="Uigh" typeface="Microsoft Uighur"/>
+      </a:minorFont>
+    </a:fontScheme>
+    <a:fmtScheme name="Office">
+      <a:fillStyleLst>
+        <a:solidFill>
+          <a:schemeClr val="phClr"/>
+        </a:solidFill>
+        <a:gradFill rotWithShape="1">
+          <a:gsLst>
+            <a:gs pos="0">
+              <a:schemeClr val="phClr">
+                <a:tint val="50000"/>
+                <a:satMod val="300000"/>
+              </a:schemeClr>
+            </a:gs>
+            <a:gs pos="35000">
+              <a:schemeClr val="phClr">
+                <a:tint val="37000"/>
+                <a:satMod val="300000"/>
+              </a:schemeClr>
+            </a:gs>
+            <a:gs pos="100000">
+              <a:schemeClr val="phClr">
+                <a:tint val="15000"/>
+                <a:satMod val="350000"/>
+              </a:schemeClr>
+            </a:gs>
+          </a:gsLst>
+          <a:lin ang="16200000" scaled="1"/>
+        </a:gradFill>
+        <a:gradFill rotWithShape="1">
+          <a:gsLst>
+            <a:gs pos="0">
+              <a:schemeClr val="phClr">
+                <a:shade val="51000"/>
+                <a:satMod val="130000"/>
+              </a:schemeClr>
+            </a:gs>
+            <a:gs pos="80000">
+              <a:schemeClr val="phClr">
+                <a:shade val="93000"/>
+                <a:satMod val="130000"/>
+              </a:schemeClr>
+            </a:gs>
+            <a:gs pos="100000">
+              <a:schemeClr val="phClr">
+                <a:shade val="94000"/>
+                <a:satMod val="135000"/>
+              </a:schemeClr>
+            </a:gs>
+          </a:gsLst>
+          <a:lin ang="16200000" scaled="0"/>
+        </a:gradFill>
+      </a:fillStyleLst>
+      <a:lnStyleLst>
+        <a:ln w="9525" cap="flat" cmpd="sng" algn="ctr">
+          <a:solidFill>
+            <a:schemeClr val="phClr">
+              <a:shade val="95000"/>
+              <a:satMod val="105000"/>
+            </a:schemeClr>
+          </a:solidFill>
+          <a:prstDash val="solid"/>
+        </a:ln>
+        <a:ln w="25400" cap="flat" cmpd="sng" algn="ctr">
+          <a:solidFill>
+            <a:schemeClr val="phClr"/>
+          </a:solidFill>
+          <a:prstDash val="solid"/>
+        </a:ln>
+        <a:ln w="38100" cap="flat" cmpd="sng" algn="ctr">
+          <a:solidFill>
+            <a:schemeClr val="phClr"/>
+          </a:solidFill>
+          <a:prstDash val="solid"/>
+        </a:ln>
+      </a:lnStyleLst>
+      <a:effectStyleLst>
+        <a:effectStyle>
+          <a:effectLst>
+            <a:outerShdw blurRad="40000" dist="20000" dir="5400000" rotWithShape="0">
+              <a:srgbClr val="000000">
+                <a:alpha val="38000"/>
+              </a:srgbClr>
+            </a:outerShdw>
+          </a:effectLst>
+        </a:effectStyle>
+        <a:effectStyle>
+          <a:effectLst>
+            <a:outerShdw blurRad="40000" dist="23000" dir="5400000" rotWithShape="0">
+              <a:srgbClr val="000000">
+                <a:alpha val="35000"/>
+              </a:srgbClr>
+            </a:outerShdw>
+          </a:effectLst>
+        </a:effectStyle>
+        <a:effectStyle>
+          <a:effectLst>
+            <a:outerShdw blurRad="40000" dist="23000" dir="5400000" rotWithShape="0">
+              <a:srgbClr val="000000">
+                <a:alpha val="35000"/>
+              </a:srgbClr>
+            </a:outerShdw>
+          </a:effectLst>
+          <a:scene3d>
+            <a:camera prst="orthographicFront">
+              <a:rot lat="0" lon="0" rev="0"/>
+            </a:camera>
+            <a:lightRig rig="threePt" dir="t">
+              <a:rot lat="0" lon="0" rev="1200000"/>
+            </a:lightRig>
+          </a:scene3d>
+          <a:sp3d>
+            <a:bevelT w="63500" h="25400"/>
+          </a:sp3d>
+        </a:effectStyle>
+      </a:effectStyleLst>
+      <a:bgFillStyleLst>
+        <a:solidFill>
+          <a:schemeClr val="phClr"/>
+        </a:solidFill>
+        <a:gradFill rotWithShape="1">
+          <a:gsLst>
+            <a:gs pos="0">
+              <a:schemeClr val="phClr">
+                <a:tint val="40000"/>
+                <a:satMod val="350000"/>
+              </a:schemeClr>
+            </a:gs>
+            <a:gs pos="40000">
+              <a:schemeClr val="phClr">
+                <a:tint val="45000"/>
+                <a:shade val="99000"/>
+                <a:satMod val="350000"/>
+              </a:schemeClr>
+            </a:gs>
+            <a:gs pos="100000">
+              <a:schemeClr val="phClr">
+                <a:shade val="20000"/>
+                <a:satMod val="255000"/>
+              </a:schemeClr>
+            </a:gs>
+          </a:gsLst>
+          <a:path path="circle">
+            <a:fillToRect l="50000" t="-80000" r="50000" b="180000"/>
+          </a:path>
+        </a:gradFill>
+        <a:gradFill rotWithShape="1">
+          <a:gsLst>
+            <a:gs pos="0">
+              <a:schemeClr val="phClr">
+                <a:tint val="80000"/>
+                <a:satMod val="300000"/>
+              </a:schemeClr>
+            </a:gs>
+            <a:gs pos="100000">
+              <a:schemeClr val="phClr">
+                <a:shade val="30000"/>
+                <a:satMod val="200000"/>
+              </a:schemeClr>
+            </a:gs>
+          </a:gsLst>
+          <a:path path="circle">
+            <a:fillToRect l="50000" t="50000" r="50000" b="50000"/>
+          </a:path>
+        </a:gradFill>
+      </a:bgFillStyleLst>
+    </a:fmtScheme>
+  </a:themeElements>
+  <a:objectDefaults/>
+  <a:extraClrSchemeLst/>
+</a:theme>
 </file>
--- a/docs/presentations/rcos_pres1_022412.pptx
+++ b/docs/presentations/rcos_pres1_022412.pptx
@@ -5,7 +5,7 @@
     <p:sldMasterId id="2147483804" r:id="rId1"/>
   </p:sldMasterIdLst>
   <p:notesMasterIdLst>
-    <p:notesMasterId r:id="rId9"/>
+    <p:notesMasterId r:id="rId10"/>
   </p:notesMasterIdLst>
   <p:sldIdLst>
     <p:sldId id="256" r:id="rId2"/>
@@ -14,7 +14,8 @@
     <p:sldId id="259" r:id="rId5"/>
     <p:sldId id="260" r:id="rId6"/>
     <p:sldId id="261" r:id="rId7"/>
-    <p:sldId id="262" r:id="rId8"/>
+    <p:sldId id="263" r:id="rId8"/>
+    <p:sldId id="262" r:id="rId9"/>
   </p:sldIdLst>
   <p:sldSz cx="9144000" cy="6858000" type="screen4x3"/>
   <p:notesSz cx="6858000" cy="9144000"/>
@@ -198,6 +199,7 @@
           <a:p>
             <a:fld id="{146B8758-D9C9-46E5-BD76-309189CA130A}" type="datetimeFigureOut">
               <a:rPr lang="en-US" smtClean="0"/>
+              <a:pPr/>
               <a:t>2/24/2012</a:t>
             </a:fld>
             <a:endParaRPr lang="en-US"/>
@@ -359,6 +361,7 @@
           <a:p>
             <a:fld id="{F846FDA7-60B4-45E4-B6D7-8E36F217F32A}" type="slidenum">
               <a:rPr lang="en-US" smtClean="0"/>
+              <a:pPr/>
               <a:t>‹#›</a:t>
             </a:fld>
             <a:endParaRPr lang="en-US"/>
@@ -542,6 +545,7 @@
           <a:p>
             <a:fld id="{F846FDA7-60B4-45E4-B6D7-8E36F217F32A}" type="slidenum">
               <a:rPr lang="en-US" smtClean="0"/>
+              <a:pPr/>
               <a:t>4</a:t>
             </a:fld>
             <a:endParaRPr lang="en-US"/>
@@ -4426,7 +4430,6 @@
               <a:rPr lang="en-US" dirty="0" smtClean="0"/>
               <a:t>Handwriting </a:t>
             </a:r>
-            <a:endParaRPr lang="en-US" dirty="0" smtClean="0"/>
           </a:p>
           <a:p>
             <a:pPr>
@@ -4436,19 +4439,14 @@
               <a:rPr lang="en-US" dirty="0" smtClean="0"/>
               <a:t>       Recognition</a:t>
             </a:r>
+          </a:p>
+          <a:p>
             <a:endParaRPr lang="en-US" dirty="0" smtClean="0"/>
           </a:p>
           <a:p>
-            <a:endParaRPr lang="en-US" dirty="0" smtClean="0"/>
-          </a:p>
-          <a:p>
             <a:r>
               <a:rPr lang="en-US" dirty="0" smtClean="0"/>
-              <a:t>Math </a:t>
-            </a:r>
-            <a:r>
-              <a:rPr lang="en-US" dirty="0" smtClean="0"/>
-              <a:t>Mode</a:t>
+              <a:t>Math Mode</a:t>
             </a:r>
           </a:p>
         </p:txBody>
@@ -4901,15 +4899,7 @@
           <a:p>
             <a:r>
               <a:rPr lang="en-US" dirty="0" smtClean="0"/>
-              <a:t>Export </a:t>
-            </a:r>
-            <a:r>
-              <a:rPr lang="en-US" dirty="0" smtClean="0"/>
-              <a:t>document to </a:t>
-            </a:r>
-            <a:r>
-              <a:rPr lang="en-US" dirty="0" smtClean="0"/>
-              <a:t>other formats</a:t>
+              <a:t>Export document to other formats</a:t>
             </a:r>
           </a:p>
           <a:p>
@@ -4929,7 +4919,6 @@
               <a:rPr lang="en-US" dirty="0" smtClean="0"/>
               <a:t>Easy Error-Correction</a:t>
             </a:r>
-            <a:endParaRPr lang="en-US" dirty="0" smtClean="0"/>
           </a:p>
         </p:txBody>
       </p:sp>
@@ -5268,6 +5257,159 @@
 </file>
 
 <file path=ppt/slides/slide7.xml><?xml version="1.0" encoding="utf-8"?>
+<p:sld xmlns:a="http://schemas.openxmlformats.org/drawingml/2006/main" xmlns:r="http://schemas.openxmlformats.org/officeDocument/2006/relationships" xmlns:p="http://schemas.openxmlformats.org/presentationml/2006/main">
+  <p:cSld>
+    <p:spTree>
+      <p:nvGrpSpPr>
+        <p:cNvPr id="1" name=""/>
+        <p:cNvGrpSpPr/>
+        <p:nvPr/>
+      </p:nvGrpSpPr>
+      <p:grpSpPr>
+        <a:xfrm>
+          <a:off x="0" y="0"/>
+          <a:ext cx="0" cy="0"/>
+          <a:chOff x="0" y="0"/>
+          <a:chExt cx="0" cy="0"/>
+        </a:xfrm>
+      </p:grpSpPr>
+      <p:sp>
+        <p:nvSpPr>
+          <p:cNvPr id="2" name="Title 1"/>
+          <p:cNvSpPr>
+            <a:spLocks noGrp="1"/>
+          </p:cNvSpPr>
+          <p:nvPr>
+            <p:ph type="title"/>
+          </p:nvPr>
+        </p:nvSpPr>
+        <p:spPr/>
+        <p:txBody>
+          <a:bodyPr/>
+          <a:lstStyle/>
+          <a:p>
+            <a:r>
+              <a:rPr lang="en-US" dirty="0" err="1" smtClean="0"/>
+              <a:t>Convalot</a:t>
+            </a:r>
+            <a:endParaRPr lang="en-US" dirty="0"/>
+          </a:p>
+        </p:txBody>
+      </p:sp>
+      <p:sp>
+        <p:nvSpPr>
+          <p:cNvPr id="3" name="Content Placeholder 2"/>
+          <p:cNvSpPr>
+            <a:spLocks noGrp="1"/>
+          </p:cNvSpPr>
+          <p:nvPr>
+            <p:ph idx="1"/>
+          </p:nvPr>
+        </p:nvSpPr>
+        <p:spPr/>
+        <p:txBody>
+          <a:bodyPr/>
+          <a:lstStyle/>
+          <a:p>
+            <a:r>
+              <a:rPr lang="en-US" dirty="0" smtClean="0"/>
+              <a:t>File Converter Tool</a:t>
+            </a:r>
+          </a:p>
+          <a:p>
+            <a:endParaRPr lang="en-US" dirty="0" smtClean="0"/>
+          </a:p>
+          <a:p>
+            <a:r>
+              <a:rPr lang="en-US" dirty="0" smtClean="0"/>
+              <a:t>Still Working On</a:t>
+            </a:r>
+          </a:p>
+          <a:p>
+            <a:endParaRPr lang="en-US" dirty="0" smtClean="0"/>
+          </a:p>
+          <a:p>
+            <a:r>
+              <a:rPr lang="en-US" dirty="0" smtClean="0"/>
+              <a:t>Very Close to Release</a:t>
+            </a:r>
+          </a:p>
+          <a:p>
+            <a:pPr lvl="1"/>
+            <a:r>
+              <a:rPr lang="en-US" dirty="0" smtClean="0"/>
+              <a:t>Simple Context Menu</a:t>
+            </a:r>
+          </a:p>
+          <a:p>
+            <a:pPr lvl="1"/>
+            <a:r>
+              <a:rPr lang="en-US" dirty="0" smtClean="0"/>
+              <a:t>Advanced Options</a:t>
+            </a:r>
+          </a:p>
+          <a:p>
+            <a:pPr lvl="1"/>
+            <a:r>
+              <a:rPr lang="en-US" dirty="0" smtClean="0"/>
+              <a:t>Stability</a:t>
+            </a:r>
+          </a:p>
+          <a:p>
+            <a:pPr lvl="1"/>
+            <a:r>
+              <a:rPr lang="en-US" dirty="0" smtClean="0"/>
+              <a:t>Ease of Installation</a:t>
+            </a:r>
+          </a:p>
+          <a:p>
+            <a:pPr lvl="1"/>
+            <a:endParaRPr lang="en-US" dirty="0" smtClean="0"/>
+          </a:p>
+        </p:txBody>
+      </p:sp>
+      <p:pic>
+        <p:nvPicPr>
+          <p:cNvPr id="1027" name="Picture 3" descr="C:\convalot\images\convalot.png"/>
+          <p:cNvPicPr>
+            <a:picLocks noChangeAspect="1" noChangeArrowheads="1"/>
+          </p:cNvPicPr>
+          <p:nvPr/>
+        </p:nvPicPr>
+        <p:blipFill>
+          <a:blip r:embed="rId2" cstate="print"/>
+          <a:srcRect/>
+          <a:stretch>
+            <a:fillRect/>
+          </a:stretch>
+        </p:blipFill>
+        <p:spPr bwMode="auto">
+          <a:xfrm>
+            <a:off x="5105400" y="2657474"/>
+            <a:ext cx="3728503" cy="4200526"/>
+          </a:xfrm>
+          <a:prstGeom prst="rect">
+            <a:avLst/>
+          </a:prstGeom>
+          <a:noFill/>
+        </p:spPr>
+      </p:pic>
+    </p:spTree>
+  </p:cSld>
+  <p:clrMapOvr>
+    <a:masterClrMapping/>
+  </p:clrMapOvr>
+  <p:timing>
+    <p:tnLst>
+      <p:par>
+        <p:cTn id="1" dur="indefinite" restart="never" nodeType="tmRoot"/>
+      </p:par>
+    </p:tnLst>
+  </p:timing>
+</p:sld>
+</file>
+
+<file path=ppt/slides/slide8.xml><?xml version="1.0" encoding="utf-8"?>
 <p:sld xmlns:a="http://schemas.openxmlformats.org/drawingml/2006/main" xmlns:r="http://schemas.openxmlformats.org/officeDocument/2006/relationships" xmlns:p="http://schemas.openxmlformats.org/presentationml/2006/main">
   <p:cSld>
     <p:spTree>
